--- a/CalendarioAgo21/presentaciones/6_Funciones.pptx
+++ b/CalendarioAgo21/presentaciones/6_Funciones.pptx
@@ -231,7 +231,7 @@
           <a:p>
             <a:fld id="{DDE721D5-655F-45D2-B717-3C4CD78C8568}" type="datetimeFigureOut">
               <a:rPr lang="es-MX" smtClean="0"/>
-              <a:t>20/08/2020</a:t>
+              <a:t>20/08/2021</a:t>
             </a:fld>
             <a:endParaRPr lang="es-MX" dirty="0"/>
           </a:p>
@@ -1268,7 +1268,7 @@
           <a:p>
             <a:fld id="{B3F3E716-CACC-4490-AD07-F24B6A68DE47}" type="datetimeFigureOut">
               <a:rPr lang="es-MX" smtClean="0"/>
-              <a:t>20/08/2020</a:t>
+              <a:t>20/08/2021</a:t>
             </a:fld>
             <a:endParaRPr lang="es-MX" dirty="0"/>
           </a:p>
@@ -1438,7 +1438,7 @@
           <a:p>
             <a:fld id="{B3F3E716-CACC-4490-AD07-F24B6A68DE47}" type="datetimeFigureOut">
               <a:rPr lang="es-MX" smtClean="0"/>
-              <a:t>20/08/2020</a:t>
+              <a:t>20/08/2021</a:t>
             </a:fld>
             <a:endParaRPr lang="es-MX" dirty="0"/>
           </a:p>
@@ -1618,7 +1618,7 @@
           <a:p>
             <a:fld id="{B3F3E716-CACC-4490-AD07-F24B6A68DE47}" type="datetimeFigureOut">
               <a:rPr lang="es-MX" smtClean="0"/>
-              <a:t>20/08/2020</a:t>
+              <a:t>20/08/2021</a:t>
             </a:fld>
             <a:endParaRPr lang="es-MX" dirty="0"/>
           </a:p>
@@ -1771,7 +1771,7 @@
           <a:p>
             <a:fld id="{1D8BD707-D9CF-40AE-B4C6-C98DA3205C09}" type="datetimeFigureOut">
               <a:rPr lang="en-US" smtClean="0"/>
-              <a:t>8/20/2020</a:t>
+              <a:t>8/20/2021</a:t>
             </a:fld>
             <a:endParaRPr lang="en-US"/>
           </a:p>
@@ -1931,7 +1931,7 @@
           <a:p>
             <a:fld id="{B3F3E716-CACC-4490-AD07-F24B6A68DE47}" type="datetimeFigureOut">
               <a:rPr lang="es-MX" smtClean="0"/>
-              <a:t>20/08/2020</a:t>
+              <a:t>20/08/2021</a:t>
             </a:fld>
             <a:endParaRPr lang="es-MX" dirty="0"/>
           </a:p>
@@ -2177,7 +2177,7 @@
           <a:p>
             <a:fld id="{B3F3E716-CACC-4490-AD07-F24B6A68DE47}" type="datetimeFigureOut">
               <a:rPr lang="es-MX" smtClean="0"/>
-              <a:t>20/08/2020</a:t>
+              <a:t>20/08/2021</a:t>
             </a:fld>
             <a:endParaRPr lang="es-MX" dirty="0"/>
           </a:p>
@@ -2465,7 +2465,7 @@
           <a:p>
             <a:fld id="{B3F3E716-CACC-4490-AD07-F24B6A68DE47}" type="datetimeFigureOut">
               <a:rPr lang="es-MX" smtClean="0"/>
-              <a:t>20/08/2020</a:t>
+              <a:t>20/08/2021</a:t>
             </a:fld>
             <a:endParaRPr lang="es-MX" dirty="0"/>
           </a:p>
@@ -2887,7 +2887,7 @@
           <a:p>
             <a:fld id="{B3F3E716-CACC-4490-AD07-F24B6A68DE47}" type="datetimeFigureOut">
               <a:rPr lang="es-MX" smtClean="0"/>
-              <a:t>20/08/2020</a:t>
+              <a:t>20/08/2021</a:t>
             </a:fld>
             <a:endParaRPr lang="es-MX" dirty="0"/>
           </a:p>
@@ -3005,7 +3005,7 @@
           <a:p>
             <a:fld id="{B3F3E716-CACC-4490-AD07-F24B6A68DE47}" type="datetimeFigureOut">
               <a:rPr lang="es-MX" smtClean="0"/>
-              <a:t>20/08/2020</a:t>
+              <a:t>20/08/2021</a:t>
             </a:fld>
             <a:endParaRPr lang="es-MX" dirty="0"/>
           </a:p>
@@ -3100,7 +3100,7 @@
           <a:p>
             <a:fld id="{B3F3E716-CACC-4490-AD07-F24B6A68DE47}" type="datetimeFigureOut">
               <a:rPr lang="es-MX" smtClean="0"/>
-              <a:t>20/08/2020</a:t>
+              <a:t>20/08/2021</a:t>
             </a:fld>
             <a:endParaRPr lang="es-MX" dirty="0"/>
           </a:p>
@@ -3377,7 +3377,7 @@
           <a:p>
             <a:fld id="{B3F3E716-CACC-4490-AD07-F24B6A68DE47}" type="datetimeFigureOut">
               <a:rPr lang="es-MX" smtClean="0"/>
-              <a:t>20/08/2020</a:t>
+              <a:t>20/08/2021</a:t>
             </a:fld>
             <a:endParaRPr lang="es-MX" dirty="0"/>
           </a:p>
@@ -3630,7 +3630,7 @@
           <a:p>
             <a:fld id="{B3F3E716-CACC-4490-AD07-F24B6A68DE47}" type="datetimeFigureOut">
               <a:rPr lang="es-MX" smtClean="0"/>
-              <a:t>20/08/2020</a:t>
+              <a:t>20/08/2021</a:t>
             </a:fld>
             <a:endParaRPr lang="es-MX" dirty="0"/>
           </a:p>
@@ -3843,7 +3843,7 @@
           <a:p>
             <a:fld id="{B3F3E716-CACC-4490-AD07-F24B6A68DE47}" type="datetimeFigureOut">
               <a:rPr lang="es-MX" smtClean="0"/>
-              <a:t>20/08/2020</a:t>
+              <a:t>20/08/2021</a:t>
             </a:fld>
             <a:endParaRPr lang="es-MX" dirty="0"/>
           </a:p>
@@ -10429,7 +10429,7 @@
         </p:blipFill>
         <p:spPr>
           <a:xfrm>
-            <a:off x="4162360" y="5029114"/>
+            <a:off x="4209231" y="5013176"/>
             <a:ext cx="4467225" cy="1266825"/>
           </a:xfrm>
           <a:prstGeom prst="rect">
